--- a/archive/2022年度　統計学関連/04_ch4_確率分布/統計学_ch4_2.pptx
+++ b/archive/2022年度　統計学関連/04_ch4_確率分布/統計学_ch4_2.pptx
@@ -1710,13 +1710,13 @@
     <dgm:cxn modelId="{59EBB237-D5E6-417E-ABFF-1223828EEF9D}" type="presOf" srcId="{86451E5C-B54F-479A-963E-4DDA503CFE5F}" destId="{D78C7D8D-BA7B-4673-A580-38A7F1E102A3}" srcOrd="0" destOrd="0" presId="urn:microsoft.com/office/officeart/2005/8/layout/hierarchy2"/>
     <dgm:cxn modelId="{E3FDC937-204E-4223-B3EA-3ACA93FE03BD}" type="presOf" srcId="{D987ABE9-1545-4C5F-9C29-D9AF2B59C18E}" destId="{902B7D90-7010-4A54-AA3D-89F76C4C430A}" srcOrd="0" destOrd="0" presId="urn:microsoft.com/office/officeart/2005/8/layout/hierarchy2"/>
     <dgm:cxn modelId="{91296839-72A7-4E9B-B744-3ED91547C55B}" type="presOf" srcId="{2FDA48F6-BC62-4CDF-A1FB-D237B035D0B2}" destId="{B7BA951F-9FB7-428A-B363-8D574674D96A}" srcOrd="1" destOrd="0" presId="urn:microsoft.com/office/officeart/2005/8/layout/hierarchy2"/>
+    <dgm:cxn modelId="{E8186C47-7BE1-469E-BD2A-85B5C568F4D2}" srcId="{23D94C6B-5E94-4AB7-8859-B80748DDC385}" destId="{BEEAC226-91B3-442E-B541-3A7EFE3048C8}" srcOrd="2" destOrd="0" parTransId="{86451E5C-B54F-479A-963E-4DDA503CFE5F}" sibTransId="{783A6594-FF8C-4ED4-8F25-C0BCD2A74D3F}"/>
+    <dgm:cxn modelId="{2EBBF655-598C-4832-899B-A4B951AF768B}" type="presOf" srcId="{95FFE2F0-126C-489E-AB6C-3E1604DCC3A4}" destId="{7F881C48-36A2-498D-8FCC-1BFC2AAA3C6C}" srcOrd="0" destOrd="0" presId="urn:microsoft.com/office/officeart/2005/8/layout/hierarchy2"/>
+    <dgm:cxn modelId="{B8A76F56-1CDD-4D43-A7A4-3466825AB70A}" srcId="{BEEAC226-91B3-442E-B541-3A7EFE3048C8}" destId="{02CC537C-7A03-4489-9FAD-1FCA78E25740}" srcOrd="2" destOrd="0" parTransId="{C853CFA2-797E-4F44-A9B1-7D2A308C0440}" sibTransId="{79AB518C-AF11-4B82-867F-BFC656EDCB04}"/>
     <dgm:cxn modelId="{38C1085C-9CD2-445A-A47C-E65B6C551283}" srcId="{BEEAC226-91B3-442E-B541-3A7EFE3048C8}" destId="{881E4C5B-DAB8-40FD-987D-14F4257F1120}" srcOrd="0" destOrd="0" parTransId="{7B68CB49-317A-4169-BFB2-85152532EB67}" sibTransId="{41378B74-5DBE-4354-950F-89731C276F72}"/>
     <dgm:cxn modelId="{9CDB8562-84FA-45A8-A687-53A11DA89947}" type="presOf" srcId="{D987ABE9-1545-4C5F-9C29-D9AF2B59C18E}" destId="{DF7DF955-E310-4BE0-BB3F-CD271E763738}" srcOrd="1" destOrd="0" presId="urn:microsoft.com/office/officeart/2005/8/layout/hierarchy2"/>
-    <dgm:cxn modelId="{E8186C47-7BE1-469E-BD2A-85B5C568F4D2}" srcId="{23D94C6B-5E94-4AB7-8859-B80748DDC385}" destId="{BEEAC226-91B3-442E-B541-3A7EFE3048C8}" srcOrd="2" destOrd="0" parTransId="{86451E5C-B54F-479A-963E-4DDA503CFE5F}" sibTransId="{783A6594-FF8C-4ED4-8F25-C0BCD2A74D3F}"/>
     <dgm:cxn modelId="{779A226A-E184-4746-A30C-91F79AE85F68}" type="presOf" srcId="{2919D48D-F7E0-4C98-9F07-3F515D7FA383}" destId="{9A171AA6-2B70-40D3-BDAD-AD59A1DBC686}" srcOrd="0" destOrd="0" presId="urn:microsoft.com/office/officeart/2005/8/layout/hierarchy2"/>
     <dgm:cxn modelId="{A2072E72-62D4-4308-930D-BA3F8E7C9130}" type="presOf" srcId="{7B68CB49-317A-4169-BFB2-85152532EB67}" destId="{909B6A66-84DE-4AD1-8225-3C09B6A5AF77}" srcOrd="1" destOrd="0" presId="urn:microsoft.com/office/officeart/2005/8/layout/hierarchy2"/>
-    <dgm:cxn modelId="{2EBBF655-598C-4832-899B-A4B951AF768B}" type="presOf" srcId="{95FFE2F0-126C-489E-AB6C-3E1604DCC3A4}" destId="{7F881C48-36A2-498D-8FCC-1BFC2AAA3C6C}" srcOrd="0" destOrd="0" presId="urn:microsoft.com/office/officeart/2005/8/layout/hierarchy2"/>
-    <dgm:cxn modelId="{B8A76F56-1CDD-4D43-A7A4-3466825AB70A}" srcId="{BEEAC226-91B3-442E-B541-3A7EFE3048C8}" destId="{02CC537C-7A03-4489-9FAD-1FCA78E25740}" srcOrd="2" destOrd="0" parTransId="{C853CFA2-797E-4F44-A9B1-7D2A308C0440}" sibTransId="{79AB518C-AF11-4B82-867F-BFC656EDCB04}"/>
     <dgm:cxn modelId="{0DDB1480-963D-4F5E-93EC-B8F50974287E}" srcId="{23D94C6B-5E94-4AB7-8859-B80748DDC385}" destId="{2A282735-C1D1-4E33-B7CE-EAE947205E58}" srcOrd="1" destOrd="0" parTransId="{9119DADC-12B8-4A4C-8531-F4FB15D50C27}" sibTransId="{439CB29C-452B-4A56-8BBE-A5C6A03237D1}"/>
     <dgm:cxn modelId="{FDDFCB87-E999-4B3C-94FB-2CB304A90852}" type="presOf" srcId="{8D7DB3FD-4DEC-4985-8E91-CE6F6B9DA7AF}" destId="{25768EA5-9AA5-4263-8D6B-7760AAB55284}" srcOrd="0" destOrd="0" presId="urn:microsoft.com/office/officeart/2005/8/layout/hierarchy2"/>
     <dgm:cxn modelId="{23F5D68C-AEE4-4087-80F3-512E16134874}" type="presOf" srcId="{C853CFA2-797E-4F44-A9B1-7D2A308C0440}" destId="{32D75CA0-13B1-4A83-8D12-4D7F4265C1BF}" srcOrd="0" destOrd="0" presId="urn:microsoft.com/office/officeart/2005/8/layout/hierarchy2"/>
@@ -4781,7 +4781,7 @@
           <a:p>
             <a:fld id="{1895A64F-7672-4A38-B12D-41B8FA3C90DE}" type="datetimeFigureOut">
               <a:rPr kumimoji="1" lang="ja-JP" altLang="en-US" smtClean="0"/>
-              <a:t>2021/9/13</a:t>
+              <a:t>2023/8/30</a:t>
             </a:fld>
             <a:endParaRPr kumimoji="1" lang="ja-JP" altLang="en-US"/>
           </a:p>
@@ -5081,7 +5081,7 @@
 </file>
 
 <file path=ppt/slideLayouts/slideLayout1.xml><?xml version="1.0" encoding="utf-8"?>
-<p:sldLayout xmlns:a="http://schemas.openxmlformats.org/drawingml/2006/main" xmlns:r="http://schemas.openxmlformats.org/officeDocument/2006/relationships" xmlns:p="http://schemas.openxmlformats.org/presentationml/2006/main" type="title" preserve="1">
+<p:sldLayout xmlns:a="http://schemas.openxmlformats.org/drawingml/2006/main" xmlns:r="http://schemas.openxmlformats.org/officeDocument/2006/relationships" xmlns:p="http://schemas.openxmlformats.org/presentationml/2006/main" showMasterSp="0" type="title" preserve="1">
   <p:cSld name="タイトル スライド">
     <p:spTree>
       <p:nvGrpSpPr>
@@ -5335,7 +5335,7 @@
 </file>
 
 <file path=ppt/slideLayouts/slideLayout10.xml><?xml version="1.0" encoding="utf-8"?>
-<p:sldLayout xmlns:a="http://schemas.openxmlformats.org/drawingml/2006/main" xmlns:r="http://schemas.openxmlformats.org/officeDocument/2006/relationships" xmlns:p="http://schemas.openxmlformats.org/presentationml/2006/main" type="picTx" preserve="1">
+<p:sldLayout xmlns:a="http://schemas.openxmlformats.org/drawingml/2006/main" xmlns:r="http://schemas.openxmlformats.org/officeDocument/2006/relationships" xmlns:p="http://schemas.openxmlformats.org/presentationml/2006/main" showMasterSp="0" type="picTx" preserve="1">
   <p:cSld name="タイトル付きの図">
     <p:spTree>
       <p:nvGrpSpPr>
@@ -5595,7 +5595,7 @@
 </file>
 
 <file path=ppt/slideLayouts/slideLayout2.xml><?xml version="1.0" encoding="utf-8"?>
-<p:sldLayout xmlns:a="http://schemas.openxmlformats.org/drawingml/2006/main" xmlns:r="http://schemas.openxmlformats.org/officeDocument/2006/relationships" xmlns:p="http://schemas.openxmlformats.org/presentationml/2006/main" preserve="1" userDrawn="1">
+<p:sldLayout xmlns:a="http://schemas.openxmlformats.org/drawingml/2006/main" xmlns:r="http://schemas.openxmlformats.org/officeDocument/2006/relationships" xmlns:p="http://schemas.openxmlformats.org/presentationml/2006/main" showMasterSp="0" preserve="1" userDrawn="1">
   <p:cSld name="タイトルとコンテンツ">
     <p:spTree>
       <p:nvGrpSpPr>
@@ -5934,7 +5934,7 @@
 </file>
 
 <file path=ppt/slideLayouts/slideLayout3.xml><?xml version="1.0" encoding="utf-8"?>
-<p:sldLayout xmlns:a="http://schemas.openxmlformats.org/drawingml/2006/main" xmlns:r="http://schemas.openxmlformats.org/officeDocument/2006/relationships" xmlns:p="http://schemas.openxmlformats.org/presentationml/2006/main" type="secHead" preserve="1">
+<p:sldLayout xmlns:a="http://schemas.openxmlformats.org/drawingml/2006/main" xmlns:r="http://schemas.openxmlformats.org/officeDocument/2006/relationships" xmlns:p="http://schemas.openxmlformats.org/presentationml/2006/main" showMasterSp="0" type="secHead" preserve="1">
   <p:cSld name="第x章">
     <p:spTree>
       <p:nvGrpSpPr>
@@ -6187,7 +6187,7 @@
 </file>
 
 <file path=ppt/slideLayouts/slideLayout4.xml><?xml version="1.0" encoding="utf-8"?>
-<p:sldLayout xmlns:a="http://schemas.openxmlformats.org/drawingml/2006/main" xmlns:r="http://schemas.openxmlformats.org/officeDocument/2006/relationships" xmlns:p="http://schemas.openxmlformats.org/presentationml/2006/main" preserve="1" userDrawn="1">
+<p:sldLayout xmlns:a="http://schemas.openxmlformats.org/drawingml/2006/main" xmlns:r="http://schemas.openxmlformats.org/officeDocument/2006/relationships" xmlns:p="http://schemas.openxmlformats.org/presentationml/2006/main" showMasterSp="0" preserve="1" userDrawn="1">
   <p:cSld name="セクション">
     <p:spTree>
       <p:nvGrpSpPr>
@@ -6321,7 +6321,7 @@
 </file>
 
 <file path=ppt/slideLayouts/slideLayout5.xml><?xml version="1.0" encoding="utf-8"?>
-<p:sldLayout xmlns:a="http://schemas.openxmlformats.org/drawingml/2006/main" xmlns:r="http://schemas.openxmlformats.org/officeDocument/2006/relationships" xmlns:p="http://schemas.openxmlformats.org/presentationml/2006/main" preserve="1" userDrawn="1">
+<p:sldLayout xmlns:a="http://schemas.openxmlformats.org/drawingml/2006/main" xmlns:r="http://schemas.openxmlformats.org/officeDocument/2006/relationships" xmlns:p="http://schemas.openxmlformats.org/presentationml/2006/main" showMasterSp="0" preserve="1" userDrawn="1">
   <p:cSld name="（x）">
     <p:spTree>
       <p:nvGrpSpPr>
@@ -6543,7 +6543,7 @@
 </file>
 
 <file path=ppt/slideLayouts/slideLayout6.xml><?xml version="1.0" encoding="utf-8"?>
-<p:sldLayout xmlns:a="http://schemas.openxmlformats.org/drawingml/2006/main" xmlns:r="http://schemas.openxmlformats.org/officeDocument/2006/relationships" xmlns:p="http://schemas.openxmlformats.org/presentationml/2006/main" preserve="1" userDrawn="1">
+<p:sldLayout xmlns:a="http://schemas.openxmlformats.org/drawingml/2006/main" xmlns:r="http://schemas.openxmlformats.org/officeDocument/2006/relationships" xmlns:p="http://schemas.openxmlformats.org/presentationml/2006/main" showMasterSp="0" preserve="1" userDrawn="1">
   <p:cSld name="比較">
     <p:spTree>
       <p:nvGrpSpPr>
@@ -7190,7 +7190,7 @@
 </file>
 
 <file path=ppt/slideLayouts/slideLayout7.xml><?xml version="1.0" encoding="utf-8"?>
-<p:sldLayout xmlns:a="http://schemas.openxmlformats.org/drawingml/2006/main" xmlns:r="http://schemas.openxmlformats.org/officeDocument/2006/relationships" xmlns:p="http://schemas.openxmlformats.org/presentationml/2006/main" type="titleOnly" preserve="1">
+<p:sldLayout xmlns:a="http://schemas.openxmlformats.org/drawingml/2006/main" xmlns:r="http://schemas.openxmlformats.org/officeDocument/2006/relationships" xmlns:p="http://schemas.openxmlformats.org/presentationml/2006/main" showMasterSp="0" type="titleOnly" preserve="1">
   <p:cSld name="タイトルのみ">
     <p:spTree>
       <p:nvGrpSpPr>
@@ -7315,7 +7315,7 @@
 </file>
 
 <file path=ppt/slideLayouts/slideLayout8.xml><?xml version="1.0" encoding="utf-8"?>
-<p:sldLayout xmlns:a="http://schemas.openxmlformats.org/drawingml/2006/main" xmlns:r="http://schemas.openxmlformats.org/officeDocument/2006/relationships" xmlns:p="http://schemas.openxmlformats.org/presentationml/2006/main" type="blank" preserve="1">
+<p:sldLayout xmlns:a="http://schemas.openxmlformats.org/drawingml/2006/main" xmlns:r="http://schemas.openxmlformats.org/officeDocument/2006/relationships" xmlns:p="http://schemas.openxmlformats.org/presentationml/2006/main" showMasterSp="0" type="blank" preserve="1">
   <p:cSld name="白紙">
     <p:spTree>
       <p:nvGrpSpPr>
@@ -7418,7 +7418,7 @@
 </file>
 
 <file path=ppt/slideLayouts/slideLayout9.xml><?xml version="1.0" encoding="utf-8"?>
-<p:sldLayout xmlns:a="http://schemas.openxmlformats.org/drawingml/2006/main" xmlns:r="http://schemas.openxmlformats.org/officeDocument/2006/relationships" xmlns:p="http://schemas.openxmlformats.org/presentationml/2006/main" type="objTx" preserve="1">
+<p:sldLayout xmlns:a="http://schemas.openxmlformats.org/drawingml/2006/main" xmlns:r="http://schemas.openxmlformats.org/officeDocument/2006/relationships" xmlns:p="http://schemas.openxmlformats.org/presentationml/2006/main" showMasterSp="0" type="objTx" preserve="1">
   <p:cSld name="タイトル付きの&#10;コンテンツ">
     <p:spTree>
       <p:nvGrpSpPr>
@@ -8367,7 +8367,7 @@
 </file>
 
 <file path=ppt/slides/slide1.xml><?xml version="1.0" encoding="utf-8"?>
-<p:sld xmlns:a="http://schemas.openxmlformats.org/drawingml/2006/main" xmlns:r="http://schemas.openxmlformats.org/officeDocument/2006/relationships" xmlns:p="http://schemas.openxmlformats.org/presentationml/2006/main">
+<p:sld xmlns:a="http://schemas.openxmlformats.org/drawingml/2006/main" xmlns:r="http://schemas.openxmlformats.org/officeDocument/2006/relationships" xmlns:p="http://schemas.openxmlformats.org/presentationml/2006/main" showMasterSp="0">
   <p:cSld>
     <p:spTree>
       <p:nvGrpSpPr>
@@ -8496,7 +8496,7 @@
 </file>
 
 <file path=ppt/slides/slide10.xml><?xml version="1.0" encoding="utf-8"?>
-<p:sld xmlns:a="http://schemas.openxmlformats.org/drawingml/2006/main" xmlns:r="http://schemas.openxmlformats.org/officeDocument/2006/relationships" xmlns:p="http://schemas.openxmlformats.org/presentationml/2006/main">
+<p:sld xmlns:a="http://schemas.openxmlformats.org/drawingml/2006/main" xmlns:r="http://schemas.openxmlformats.org/officeDocument/2006/relationships" xmlns:p="http://schemas.openxmlformats.org/presentationml/2006/main" showMasterSp="0">
   <p:cSld>
     <p:spTree>
       <p:nvGrpSpPr>
@@ -9723,35 +9723,6 @@
           </a:p>
         </p:txBody>
       </p:sp>
-      <p:sp>
-        <p:nvSpPr>
-          <p:cNvPr id="3" name="スライド番号プレースホルダー 2">
-            <a:extLst>
-              <a:ext uri="{FF2B5EF4-FFF2-40B4-BE49-F238E27FC236}">
-                <a16:creationId xmlns:a16="http://schemas.microsoft.com/office/drawing/2014/main" id="{F0DFDE13-F1AA-4853-968D-01269B0AC014}"/>
-              </a:ext>
-            </a:extLst>
-          </p:cNvPr>
-          <p:cNvSpPr>
-            <a:spLocks noGrp="1"/>
-          </p:cNvSpPr>
-          <p:nvPr>
-            <p:ph type="sldNum" sz="quarter" idx="12"/>
-          </p:nvPr>
-        </p:nvSpPr>
-        <p:spPr/>
-        <p:txBody>
-          <a:bodyPr/>
-          <a:lstStyle/>
-          <a:p>
-            <a:fld id="{83E4BC44-1CD2-4666-A5F4-A286043144FC}" type="slidenum">
-              <a:rPr kumimoji="1" lang="ja-JP" altLang="en-US" smtClean="0"/>
-              <a:t>10</a:t>
-            </a:fld>
-            <a:endParaRPr kumimoji="1" lang="ja-JP" altLang="en-US"/>
-          </a:p>
-        </p:txBody>
-      </p:sp>
     </p:spTree>
     <p:extLst>
       <p:ext uri="{BB962C8B-B14F-4D97-AF65-F5344CB8AC3E}">
@@ -9766,7 +9737,7 @@
 </file>
 
 <file path=ppt/slides/slide11.xml><?xml version="1.0" encoding="utf-8"?>
-<p:sld xmlns:a="http://schemas.openxmlformats.org/drawingml/2006/main" xmlns:r="http://schemas.openxmlformats.org/officeDocument/2006/relationships" xmlns:p="http://schemas.openxmlformats.org/presentationml/2006/main">
+<p:sld xmlns:a="http://schemas.openxmlformats.org/drawingml/2006/main" xmlns:r="http://schemas.openxmlformats.org/officeDocument/2006/relationships" xmlns:p="http://schemas.openxmlformats.org/presentationml/2006/main" showMasterSp="0">
   <p:cSld>
     <p:spTree>
       <p:nvGrpSpPr>
@@ -10845,35 +10816,6 @@
           </mc:AlternateContent>
         </p:grpSp>
       </p:grpSp>
-      <p:sp>
-        <p:nvSpPr>
-          <p:cNvPr id="3" name="スライド番号プレースホルダー 2">
-            <a:extLst>
-              <a:ext uri="{FF2B5EF4-FFF2-40B4-BE49-F238E27FC236}">
-                <a16:creationId xmlns:a16="http://schemas.microsoft.com/office/drawing/2014/main" id="{16C020A1-12EE-4710-A74A-93E8C4793A29}"/>
-              </a:ext>
-            </a:extLst>
-          </p:cNvPr>
-          <p:cNvSpPr>
-            <a:spLocks noGrp="1"/>
-          </p:cNvSpPr>
-          <p:nvPr>
-            <p:ph type="sldNum" sz="quarter" idx="12"/>
-          </p:nvPr>
-        </p:nvSpPr>
-        <p:spPr/>
-        <p:txBody>
-          <a:bodyPr/>
-          <a:lstStyle/>
-          <a:p>
-            <a:fld id="{83E4BC44-1CD2-4666-A5F4-A286043144FC}" type="slidenum">
-              <a:rPr kumimoji="1" lang="ja-JP" altLang="en-US" smtClean="0"/>
-              <a:t>11</a:t>
-            </a:fld>
-            <a:endParaRPr kumimoji="1" lang="ja-JP" altLang="en-US"/>
-          </a:p>
-        </p:txBody>
-      </p:sp>
     </p:spTree>
     <p:extLst>
       <p:ext uri="{BB962C8B-B14F-4D97-AF65-F5344CB8AC3E}">
@@ -10888,7 +10830,7 @@
 </file>
 
 <file path=ppt/slides/slide12.xml><?xml version="1.0" encoding="utf-8"?>
-<p:sld xmlns:a="http://schemas.openxmlformats.org/drawingml/2006/main" xmlns:r="http://schemas.openxmlformats.org/officeDocument/2006/relationships" xmlns:p="http://schemas.openxmlformats.org/presentationml/2006/main">
+<p:sld xmlns:a="http://schemas.openxmlformats.org/drawingml/2006/main" xmlns:r="http://schemas.openxmlformats.org/officeDocument/2006/relationships" xmlns:p="http://schemas.openxmlformats.org/presentationml/2006/main" showMasterSp="0">
   <p:cSld>
     <p:spTree>
       <p:nvGrpSpPr>
@@ -11987,35 +11929,6 @@
           </a:extLst>
         </p:spPr>
       </p:pic>
-      <p:sp>
-        <p:nvSpPr>
-          <p:cNvPr id="3" name="スライド番号プレースホルダー 2">
-            <a:extLst>
-              <a:ext uri="{FF2B5EF4-FFF2-40B4-BE49-F238E27FC236}">
-                <a16:creationId xmlns:a16="http://schemas.microsoft.com/office/drawing/2014/main" id="{E416F848-D5FC-4CAA-94E9-438A09266719}"/>
-              </a:ext>
-            </a:extLst>
-          </p:cNvPr>
-          <p:cNvSpPr>
-            <a:spLocks noGrp="1"/>
-          </p:cNvSpPr>
-          <p:nvPr>
-            <p:ph type="sldNum" sz="quarter" idx="12"/>
-          </p:nvPr>
-        </p:nvSpPr>
-        <p:spPr/>
-        <p:txBody>
-          <a:bodyPr/>
-          <a:lstStyle/>
-          <a:p>
-            <a:fld id="{83E4BC44-1CD2-4666-A5F4-A286043144FC}" type="slidenum">
-              <a:rPr kumimoji="1" lang="ja-JP" altLang="en-US" smtClean="0"/>
-              <a:t>12</a:t>
-            </a:fld>
-            <a:endParaRPr kumimoji="1" lang="ja-JP" altLang="en-US"/>
-          </a:p>
-        </p:txBody>
-      </p:sp>
     </p:spTree>
     <p:extLst>
       <p:ext uri="{BB962C8B-B14F-4D97-AF65-F5344CB8AC3E}">
@@ -12030,7 +11943,7 @@
 </file>
 
 <file path=ppt/slides/slide13.xml><?xml version="1.0" encoding="utf-8"?>
-<p:sld xmlns:a="http://schemas.openxmlformats.org/drawingml/2006/main" xmlns:r="http://schemas.openxmlformats.org/officeDocument/2006/relationships" xmlns:p="http://schemas.openxmlformats.org/presentationml/2006/main">
+<p:sld xmlns:a="http://schemas.openxmlformats.org/drawingml/2006/main" xmlns:r="http://schemas.openxmlformats.org/officeDocument/2006/relationships" xmlns:p="http://schemas.openxmlformats.org/presentationml/2006/main" showMasterSp="0">
   <p:cSld>
     <p:spTree>
       <p:nvGrpSpPr>
@@ -13569,35 +13482,6 @@
           </p:sp>
         </mc:Fallback>
       </mc:AlternateContent>
-      <p:sp>
-        <p:nvSpPr>
-          <p:cNvPr id="6" name="スライド番号プレースホルダー 5">
-            <a:extLst>
-              <a:ext uri="{FF2B5EF4-FFF2-40B4-BE49-F238E27FC236}">
-                <a16:creationId xmlns:a16="http://schemas.microsoft.com/office/drawing/2014/main" id="{09B92E0A-AD33-4BBB-BA96-44C5AEBCCE06}"/>
-              </a:ext>
-            </a:extLst>
-          </p:cNvPr>
-          <p:cNvSpPr>
-            <a:spLocks noGrp="1"/>
-          </p:cNvSpPr>
-          <p:nvPr>
-            <p:ph type="sldNum" sz="quarter" idx="12"/>
-          </p:nvPr>
-        </p:nvSpPr>
-        <p:spPr/>
-        <p:txBody>
-          <a:bodyPr/>
-          <a:lstStyle/>
-          <a:p>
-            <a:fld id="{83E4BC44-1CD2-4666-A5F4-A286043144FC}" type="slidenum">
-              <a:rPr kumimoji="1" lang="ja-JP" altLang="en-US" smtClean="0"/>
-              <a:t>13</a:t>
-            </a:fld>
-            <a:endParaRPr kumimoji="1" lang="ja-JP" altLang="en-US"/>
-          </a:p>
-        </p:txBody>
-      </p:sp>
     </p:spTree>
     <p:extLst>
       <p:ext uri="{BB962C8B-B14F-4D97-AF65-F5344CB8AC3E}">
@@ -13612,7 +13496,7 @@
 </file>
 
 <file path=ppt/slides/slide14.xml><?xml version="1.0" encoding="utf-8"?>
-<p:sld xmlns:a="http://schemas.openxmlformats.org/drawingml/2006/main" xmlns:r="http://schemas.openxmlformats.org/officeDocument/2006/relationships" xmlns:p="http://schemas.openxmlformats.org/presentationml/2006/main">
+<p:sld xmlns:a="http://schemas.openxmlformats.org/drawingml/2006/main" xmlns:r="http://schemas.openxmlformats.org/officeDocument/2006/relationships" xmlns:p="http://schemas.openxmlformats.org/presentationml/2006/main" showMasterSp="0">
   <p:cSld>
     <p:spTree>
       <p:nvGrpSpPr>
@@ -13693,7 +13577,7 @@
 </file>
 
 <file path=ppt/slides/slide15.xml><?xml version="1.0" encoding="utf-8"?>
-<p:sld xmlns:a="http://schemas.openxmlformats.org/drawingml/2006/main" xmlns:r="http://schemas.openxmlformats.org/officeDocument/2006/relationships" xmlns:p="http://schemas.openxmlformats.org/presentationml/2006/main">
+<p:sld xmlns:a="http://schemas.openxmlformats.org/drawingml/2006/main" xmlns:r="http://schemas.openxmlformats.org/officeDocument/2006/relationships" xmlns:p="http://schemas.openxmlformats.org/presentationml/2006/main" showMasterSp="0">
   <p:cSld>
     <p:spTree>
       <p:nvGrpSpPr>
@@ -14151,7 +14035,7 @@
 </file>
 
 <file path=ppt/slides/slide16.xml><?xml version="1.0" encoding="utf-8"?>
-<p:sld xmlns:a="http://schemas.openxmlformats.org/drawingml/2006/main" xmlns:r="http://schemas.openxmlformats.org/officeDocument/2006/relationships" xmlns:p="http://schemas.openxmlformats.org/presentationml/2006/main">
+<p:sld xmlns:a="http://schemas.openxmlformats.org/drawingml/2006/main" xmlns:r="http://schemas.openxmlformats.org/officeDocument/2006/relationships" xmlns:p="http://schemas.openxmlformats.org/presentationml/2006/main" showMasterSp="0">
   <p:cSld>
     <p:spTree>
       <p:nvGrpSpPr>
@@ -15431,7 +15315,7 @@
 </file>
 
 <file path=ppt/slides/slide17.xml><?xml version="1.0" encoding="utf-8"?>
-<p:sld xmlns:a="http://schemas.openxmlformats.org/drawingml/2006/main" xmlns:r="http://schemas.openxmlformats.org/officeDocument/2006/relationships" xmlns:p="http://schemas.openxmlformats.org/presentationml/2006/main">
+<p:sld xmlns:a="http://schemas.openxmlformats.org/drawingml/2006/main" xmlns:r="http://schemas.openxmlformats.org/officeDocument/2006/relationships" xmlns:p="http://schemas.openxmlformats.org/presentationml/2006/main" showMasterSp="0">
   <p:cSld>
     <p:spTree>
       <p:nvGrpSpPr>
@@ -15512,7 +15396,7 @@
 </file>
 
 <file path=ppt/slides/slide18.xml><?xml version="1.0" encoding="utf-8"?>
-<p:sld xmlns:a="http://schemas.openxmlformats.org/drawingml/2006/main" xmlns:r="http://schemas.openxmlformats.org/officeDocument/2006/relationships" xmlns:p="http://schemas.openxmlformats.org/presentationml/2006/main">
+<p:sld xmlns:a="http://schemas.openxmlformats.org/drawingml/2006/main" xmlns:r="http://schemas.openxmlformats.org/officeDocument/2006/relationships" xmlns:p="http://schemas.openxmlformats.org/presentationml/2006/main" showMasterSp="0">
   <p:cSld>
     <p:spTree>
       <p:nvGrpSpPr>
@@ -15787,7 +15671,7 @@
 </file>
 
 <file path=ppt/slides/slide19.xml><?xml version="1.0" encoding="utf-8"?>
-<p:sld xmlns:a="http://schemas.openxmlformats.org/drawingml/2006/main" xmlns:r="http://schemas.openxmlformats.org/officeDocument/2006/relationships" xmlns:p="http://schemas.openxmlformats.org/presentationml/2006/main">
+<p:sld xmlns:a="http://schemas.openxmlformats.org/drawingml/2006/main" xmlns:r="http://schemas.openxmlformats.org/officeDocument/2006/relationships" xmlns:p="http://schemas.openxmlformats.org/presentationml/2006/main" showMasterSp="0">
   <p:cSld>
     <p:spTree>
       <p:nvGrpSpPr>
@@ -15868,7 +15752,7 @@
 </file>
 
 <file path=ppt/slides/slide2.xml><?xml version="1.0" encoding="utf-8"?>
-<p:sld xmlns:a="http://schemas.openxmlformats.org/drawingml/2006/main" xmlns:r="http://schemas.openxmlformats.org/officeDocument/2006/relationships" xmlns:p="http://schemas.openxmlformats.org/presentationml/2006/main">
+<p:sld xmlns:a="http://schemas.openxmlformats.org/drawingml/2006/main" xmlns:r="http://schemas.openxmlformats.org/officeDocument/2006/relationships" xmlns:p="http://schemas.openxmlformats.org/presentationml/2006/main" showMasterSp="0">
   <p:cSld>
     <p:spTree>
       <p:nvGrpSpPr>
@@ -15974,7 +15858,7 @@
 </file>
 
 <file path=ppt/slides/slide20.xml><?xml version="1.0" encoding="utf-8"?>
-<p:sld xmlns:a="http://schemas.openxmlformats.org/drawingml/2006/main" xmlns:r="http://schemas.openxmlformats.org/officeDocument/2006/relationships" xmlns:p="http://schemas.openxmlformats.org/presentationml/2006/main">
+<p:sld xmlns:a="http://schemas.openxmlformats.org/drawingml/2006/main" xmlns:r="http://schemas.openxmlformats.org/officeDocument/2006/relationships" xmlns:p="http://schemas.openxmlformats.org/presentationml/2006/main" showMasterSp="0">
   <p:cSld>
     <p:spTree>
       <p:nvGrpSpPr>
@@ -16854,7 +16738,7 @@
 </file>
 
 <file path=ppt/slides/slide21.xml><?xml version="1.0" encoding="utf-8"?>
-<p:sld xmlns:a="http://schemas.openxmlformats.org/drawingml/2006/main" xmlns:r="http://schemas.openxmlformats.org/officeDocument/2006/relationships" xmlns:p="http://schemas.openxmlformats.org/presentationml/2006/main">
+<p:sld xmlns:a="http://schemas.openxmlformats.org/drawingml/2006/main" xmlns:r="http://schemas.openxmlformats.org/officeDocument/2006/relationships" xmlns:p="http://schemas.openxmlformats.org/presentationml/2006/main" showMasterSp="0">
   <p:cSld>
     <p:spTree>
       <p:nvGrpSpPr>
@@ -17854,7 +17738,7 @@
 </file>
 
 <file path=ppt/slides/slide22.xml><?xml version="1.0" encoding="utf-8"?>
-<p:sld xmlns:a="http://schemas.openxmlformats.org/drawingml/2006/main" xmlns:r="http://schemas.openxmlformats.org/officeDocument/2006/relationships" xmlns:p="http://schemas.openxmlformats.org/presentationml/2006/main">
+<p:sld xmlns:a="http://schemas.openxmlformats.org/drawingml/2006/main" xmlns:r="http://schemas.openxmlformats.org/officeDocument/2006/relationships" xmlns:p="http://schemas.openxmlformats.org/presentationml/2006/main" showMasterSp="0">
   <p:cSld>
     <p:spTree>
       <p:nvGrpSpPr>
@@ -17936,7 +17820,7 @@
 </file>
 
 <file path=ppt/slides/slide23.xml><?xml version="1.0" encoding="utf-8"?>
-<p:sld xmlns:a="http://schemas.openxmlformats.org/drawingml/2006/main" xmlns:r="http://schemas.openxmlformats.org/officeDocument/2006/relationships" xmlns:p="http://schemas.openxmlformats.org/presentationml/2006/main">
+<p:sld xmlns:a="http://schemas.openxmlformats.org/drawingml/2006/main" xmlns:r="http://schemas.openxmlformats.org/officeDocument/2006/relationships" xmlns:p="http://schemas.openxmlformats.org/presentationml/2006/main" showMasterSp="0">
   <p:cSld>
     <p:spTree>
       <p:nvGrpSpPr>
@@ -20106,35 +19990,6 @@
           </p:sp>
         </p:grpSp>
       </p:grpSp>
-      <p:sp>
-        <p:nvSpPr>
-          <p:cNvPr id="3" name="スライド番号プレースホルダー 2">
-            <a:extLst>
-              <a:ext uri="{FF2B5EF4-FFF2-40B4-BE49-F238E27FC236}">
-                <a16:creationId xmlns:a16="http://schemas.microsoft.com/office/drawing/2014/main" id="{757601E4-4C57-4A54-B845-55BB8A79955E}"/>
-              </a:ext>
-            </a:extLst>
-          </p:cNvPr>
-          <p:cNvSpPr>
-            <a:spLocks noGrp="1"/>
-          </p:cNvSpPr>
-          <p:nvPr>
-            <p:ph type="sldNum" sz="quarter" idx="12"/>
-          </p:nvPr>
-        </p:nvSpPr>
-        <p:spPr/>
-        <p:txBody>
-          <a:bodyPr/>
-          <a:lstStyle/>
-          <a:p>
-            <a:fld id="{83E4BC44-1CD2-4666-A5F4-A286043144FC}" type="slidenum">
-              <a:rPr kumimoji="1" lang="ja-JP" altLang="en-US" smtClean="0"/>
-              <a:t>23</a:t>
-            </a:fld>
-            <a:endParaRPr kumimoji="1" lang="ja-JP" altLang="en-US"/>
-          </a:p>
-        </p:txBody>
-      </p:sp>
     </p:spTree>
     <p:extLst>
       <p:ext uri="{BB962C8B-B14F-4D97-AF65-F5344CB8AC3E}">
@@ -20149,7 +20004,7 @@
 </file>
 
 <file path=ppt/slides/slide24.xml><?xml version="1.0" encoding="utf-8"?>
-<p:sld xmlns:a="http://schemas.openxmlformats.org/drawingml/2006/main" xmlns:r="http://schemas.openxmlformats.org/officeDocument/2006/relationships" xmlns:p="http://schemas.openxmlformats.org/presentationml/2006/main">
+<p:sld xmlns:a="http://schemas.openxmlformats.org/drawingml/2006/main" xmlns:r="http://schemas.openxmlformats.org/officeDocument/2006/relationships" xmlns:p="http://schemas.openxmlformats.org/presentationml/2006/main" showMasterSp="0">
   <p:cSld>
     <p:spTree>
       <p:nvGrpSpPr>
@@ -20656,35 +20511,6 @@
           </p:sp>
         </mc:Fallback>
       </mc:AlternateContent>
-      <p:sp>
-        <p:nvSpPr>
-          <p:cNvPr id="3" name="スライド番号プレースホルダー 2">
-            <a:extLst>
-              <a:ext uri="{FF2B5EF4-FFF2-40B4-BE49-F238E27FC236}">
-                <a16:creationId xmlns:a16="http://schemas.microsoft.com/office/drawing/2014/main" id="{8DC4D1CD-B5A7-4EB1-8C84-33038D62A257}"/>
-              </a:ext>
-            </a:extLst>
-          </p:cNvPr>
-          <p:cNvSpPr>
-            <a:spLocks noGrp="1"/>
-          </p:cNvSpPr>
-          <p:nvPr>
-            <p:ph type="sldNum" sz="quarter" idx="12"/>
-          </p:nvPr>
-        </p:nvSpPr>
-        <p:spPr/>
-        <p:txBody>
-          <a:bodyPr/>
-          <a:lstStyle/>
-          <a:p>
-            <a:fld id="{83E4BC44-1CD2-4666-A5F4-A286043144FC}" type="slidenum">
-              <a:rPr kumimoji="1" lang="ja-JP" altLang="en-US" smtClean="0"/>
-              <a:t>24</a:t>
-            </a:fld>
-            <a:endParaRPr kumimoji="1" lang="ja-JP" altLang="en-US"/>
-          </a:p>
-        </p:txBody>
-      </p:sp>
     </p:spTree>
     <p:extLst>
       <p:ext uri="{BB962C8B-B14F-4D97-AF65-F5344CB8AC3E}">
@@ -20699,7 +20525,7 @@
 </file>
 
 <file path=ppt/slides/slide25.xml><?xml version="1.0" encoding="utf-8"?>
-<p:sld xmlns:a="http://schemas.openxmlformats.org/drawingml/2006/main" xmlns:r="http://schemas.openxmlformats.org/officeDocument/2006/relationships" xmlns:p="http://schemas.openxmlformats.org/presentationml/2006/main">
+<p:sld xmlns:a="http://schemas.openxmlformats.org/drawingml/2006/main" xmlns:r="http://schemas.openxmlformats.org/officeDocument/2006/relationships" xmlns:p="http://schemas.openxmlformats.org/presentationml/2006/main" showMasterSp="0">
   <p:cSld>
     <p:spTree>
       <p:nvGrpSpPr>
@@ -21135,35 +20961,6 @@
           </p:sp>
         </mc:Fallback>
       </mc:AlternateContent>
-      <p:sp>
-        <p:nvSpPr>
-          <p:cNvPr id="3" name="スライド番号プレースホルダー 2">
-            <a:extLst>
-              <a:ext uri="{FF2B5EF4-FFF2-40B4-BE49-F238E27FC236}">
-                <a16:creationId xmlns:a16="http://schemas.microsoft.com/office/drawing/2014/main" id="{9ED45634-6F56-45C9-9FC1-4D556422483C}"/>
-              </a:ext>
-            </a:extLst>
-          </p:cNvPr>
-          <p:cNvSpPr>
-            <a:spLocks noGrp="1"/>
-          </p:cNvSpPr>
-          <p:nvPr>
-            <p:ph type="sldNum" sz="quarter" idx="12"/>
-          </p:nvPr>
-        </p:nvSpPr>
-        <p:spPr/>
-        <p:txBody>
-          <a:bodyPr/>
-          <a:lstStyle/>
-          <a:p>
-            <a:fld id="{83E4BC44-1CD2-4666-A5F4-A286043144FC}" type="slidenum">
-              <a:rPr kumimoji="1" lang="ja-JP" altLang="en-US" smtClean="0"/>
-              <a:t>25</a:t>
-            </a:fld>
-            <a:endParaRPr kumimoji="1" lang="ja-JP" altLang="en-US"/>
-          </a:p>
-        </p:txBody>
-      </p:sp>
     </p:spTree>
     <p:extLst>
       <p:ext uri="{BB962C8B-B14F-4D97-AF65-F5344CB8AC3E}">
@@ -21178,7 +20975,7 @@
 </file>
 
 <file path=ppt/slides/slide26.xml><?xml version="1.0" encoding="utf-8"?>
-<p:sld xmlns:a="http://schemas.openxmlformats.org/drawingml/2006/main" xmlns:r="http://schemas.openxmlformats.org/officeDocument/2006/relationships" xmlns:p="http://schemas.openxmlformats.org/presentationml/2006/main">
+<p:sld xmlns:a="http://schemas.openxmlformats.org/drawingml/2006/main" xmlns:r="http://schemas.openxmlformats.org/officeDocument/2006/relationships" xmlns:p="http://schemas.openxmlformats.org/presentationml/2006/main" showMasterSp="0">
   <p:cSld>
     <p:spTree>
       <p:nvGrpSpPr>
@@ -21663,35 +21460,6 @@
           </a:p>
         </p:txBody>
       </p:sp>
-      <p:sp>
-        <p:nvSpPr>
-          <p:cNvPr id="3" name="スライド番号プレースホルダー 2">
-            <a:extLst>
-              <a:ext uri="{FF2B5EF4-FFF2-40B4-BE49-F238E27FC236}">
-                <a16:creationId xmlns:a16="http://schemas.microsoft.com/office/drawing/2014/main" id="{1A39B965-7F13-49A0-8484-5435A097204F}"/>
-              </a:ext>
-            </a:extLst>
-          </p:cNvPr>
-          <p:cNvSpPr>
-            <a:spLocks noGrp="1"/>
-          </p:cNvSpPr>
-          <p:nvPr>
-            <p:ph type="sldNum" sz="quarter" idx="12"/>
-          </p:nvPr>
-        </p:nvSpPr>
-        <p:spPr/>
-        <p:txBody>
-          <a:bodyPr/>
-          <a:lstStyle/>
-          <a:p>
-            <a:fld id="{83E4BC44-1CD2-4666-A5F4-A286043144FC}" type="slidenum">
-              <a:rPr kumimoji="1" lang="ja-JP" altLang="en-US" smtClean="0"/>
-              <a:t>26</a:t>
-            </a:fld>
-            <a:endParaRPr kumimoji="1" lang="ja-JP" altLang="en-US"/>
-          </a:p>
-        </p:txBody>
-      </p:sp>
     </p:spTree>
     <p:extLst>
       <p:ext uri="{BB962C8B-B14F-4D97-AF65-F5344CB8AC3E}">
@@ -21706,7 +21474,7 @@
 </file>
 
 <file path=ppt/slides/slide27.xml><?xml version="1.0" encoding="utf-8"?>
-<p:sld xmlns:a="http://schemas.openxmlformats.org/drawingml/2006/main" xmlns:r="http://schemas.openxmlformats.org/officeDocument/2006/relationships" xmlns:p="http://schemas.openxmlformats.org/presentationml/2006/main">
+<p:sld xmlns:a="http://schemas.openxmlformats.org/drawingml/2006/main" xmlns:r="http://schemas.openxmlformats.org/officeDocument/2006/relationships" xmlns:p="http://schemas.openxmlformats.org/presentationml/2006/main" showMasterSp="0">
   <p:cSld>
     <p:spTree>
       <p:nvGrpSpPr>
@@ -22137,35 +21905,6 @@
           </p:sp>
         </mc:Fallback>
       </mc:AlternateContent>
-      <p:sp>
-        <p:nvSpPr>
-          <p:cNvPr id="3" name="スライド番号プレースホルダー 2">
-            <a:extLst>
-              <a:ext uri="{FF2B5EF4-FFF2-40B4-BE49-F238E27FC236}">
-                <a16:creationId xmlns:a16="http://schemas.microsoft.com/office/drawing/2014/main" id="{57A34AD9-75C5-411A-846F-66F664D214F5}"/>
-              </a:ext>
-            </a:extLst>
-          </p:cNvPr>
-          <p:cNvSpPr>
-            <a:spLocks noGrp="1"/>
-          </p:cNvSpPr>
-          <p:nvPr>
-            <p:ph type="sldNum" sz="quarter" idx="12"/>
-          </p:nvPr>
-        </p:nvSpPr>
-        <p:spPr/>
-        <p:txBody>
-          <a:bodyPr/>
-          <a:lstStyle/>
-          <a:p>
-            <a:fld id="{83E4BC44-1CD2-4666-A5F4-A286043144FC}" type="slidenum">
-              <a:rPr kumimoji="1" lang="ja-JP" altLang="en-US" smtClean="0"/>
-              <a:t>27</a:t>
-            </a:fld>
-            <a:endParaRPr kumimoji="1" lang="ja-JP" altLang="en-US"/>
-          </a:p>
-        </p:txBody>
-      </p:sp>
     </p:spTree>
     <p:extLst>
       <p:ext uri="{BB962C8B-B14F-4D97-AF65-F5344CB8AC3E}">
@@ -22180,7 +21919,7 @@
 </file>
 
 <file path=ppt/slides/slide28.xml><?xml version="1.0" encoding="utf-8"?>
-<p:sld xmlns:a="http://schemas.openxmlformats.org/drawingml/2006/main" xmlns:r="http://schemas.openxmlformats.org/officeDocument/2006/relationships" xmlns:p="http://schemas.openxmlformats.org/presentationml/2006/main">
+<p:sld xmlns:a="http://schemas.openxmlformats.org/drawingml/2006/main" xmlns:r="http://schemas.openxmlformats.org/officeDocument/2006/relationships" xmlns:p="http://schemas.openxmlformats.org/presentationml/2006/main" showMasterSp="0">
   <p:cSld>
     <p:spTree>
       <p:nvGrpSpPr>
@@ -22633,35 +22372,6 @@
           </p:sp>
         </mc:Fallback>
       </mc:AlternateContent>
-      <p:sp>
-        <p:nvSpPr>
-          <p:cNvPr id="3" name="スライド番号プレースホルダー 2">
-            <a:extLst>
-              <a:ext uri="{FF2B5EF4-FFF2-40B4-BE49-F238E27FC236}">
-                <a16:creationId xmlns:a16="http://schemas.microsoft.com/office/drawing/2014/main" id="{9C56790E-EF26-4931-A973-5810924D53D1}"/>
-              </a:ext>
-            </a:extLst>
-          </p:cNvPr>
-          <p:cNvSpPr>
-            <a:spLocks noGrp="1"/>
-          </p:cNvSpPr>
-          <p:nvPr>
-            <p:ph type="sldNum" sz="quarter" idx="12"/>
-          </p:nvPr>
-        </p:nvSpPr>
-        <p:spPr/>
-        <p:txBody>
-          <a:bodyPr/>
-          <a:lstStyle/>
-          <a:p>
-            <a:fld id="{83E4BC44-1CD2-4666-A5F4-A286043144FC}" type="slidenum">
-              <a:rPr kumimoji="1" lang="ja-JP" altLang="en-US" smtClean="0"/>
-              <a:t>28</a:t>
-            </a:fld>
-            <a:endParaRPr kumimoji="1" lang="ja-JP" altLang="en-US"/>
-          </a:p>
-        </p:txBody>
-      </p:sp>
     </p:spTree>
     <p:extLst>
       <p:ext uri="{BB962C8B-B14F-4D97-AF65-F5344CB8AC3E}">
@@ -22676,7 +22386,7 @@
 </file>
 
 <file path=ppt/slides/slide29.xml><?xml version="1.0" encoding="utf-8"?>
-<p:sld xmlns:a="http://schemas.openxmlformats.org/drawingml/2006/main" xmlns:r="http://schemas.openxmlformats.org/officeDocument/2006/relationships" xmlns:p="http://schemas.openxmlformats.org/presentationml/2006/main">
+<p:sld xmlns:a="http://schemas.openxmlformats.org/drawingml/2006/main" xmlns:r="http://schemas.openxmlformats.org/officeDocument/2006/relationships" xmlns:p="http://schemas.openxmlformats.org/presentationml/2006/main" showMasterSp="0">
   <p:cSld>
     <p:spTree>
       <p:nvGrpSpPr>
@@ -23259,35 +22969,6 @@
           </a:p>
         </p:txBody>
       </p:sp>
-      <p:sp>
-        <p:nvSpPr>
-          <p:cNvPr id="3" name="スライド番号プレースホルダー 2">
-            <a:extLst>
-              <a:ext uri="{FF2B5EF4-FFF2-40B4-BE49-F238E27FC236}">
-                <a16:creationId xmlns:a16="http://schemas.microsoft.com/office/drawing/2014/main" id="{A4BD20C0-45F8-4B54-87FD-D65D9A346035}"/>
-              </a:ext>
-            </a:extLst>
-          </p:cNvPr>
-          <p:cNvSpPr>
-            <a:spLocks noGrp="1"/>
-          </p:cNvSpPr>
-          <p:nvPr>
-            <p:ph type="sldNum" sz="quarter" idx="12"/>
-          </p:nvPr>
-        </p:nvSpPr>
-        <p:spPr/>
-        <p:txBody>
-          <a:bodyPr/>
-          <a:lstStyle/>
-          <a:p>
-            <a:fld id="{83E4BC44-1CD2-4666-A5F4-A286043144FC}" type="slidenum">
-              <a:rPr kumimoji="1" lang="ja-JP" altLang="en-US" smtClean="0"/>
-              <a:t>29</a:t>
-            </a:fld>
-            <a:endParaRPr kumimoji="1" lang="ja-JP" altLang="en-US"/>
-          </a:p>
-        </p:txBody>
-      </p:sp>
     </p:spTree>
     <p:extLst>
       <p:ext uri="{BB962C8B-B14F-4D97-AF65-F5344CB8AC3E}">
@@ -23302,7 +22983,7 @@
 </file>
 
 <file path=ppt/slides/slide3.xml><?xml version="1.0" encoding="utf-8"?>
-<p:sld xmlns:a="http://schemas.openxmlformats.org/drawingml/2006/main" xmlns:r="http://schemas.openxmlformats.org/officeDocument/2006/relationships" xmlns:p="http://schemas.openxmlformats.org/presentationml/2006/main">
+<p:sld xmlns:a="http://schemas.openxmlformats.org/drawingml/2006/main" xmlns:r="http://schemas.openxmlformats.org/officeDocument/2006/relationships" xmlns:p="http://schemas.openxmlformats.org/presentationml/2006/main" showMasterSp="0">
   <p:cSld>
     <p:spTree>
       <p:nvGrpSpPr>
@@ -23383,7 +23064,7 @@
 </file>
 
 <file path=ppt/slides/slide30.xml><?xml version="1.0" encoding="utf-8"?>
-<p:sld xmlns:a="http://schemas.openxmlformats.org/drawingml/2006/main" xmlns:r="http://schemas.openxmlformats.org/officeDocument/2006/relationships" xmlns:p="http://schemas.openxmlformats.org/presentationml/2006/main">
+<p:sld xmlns:a="http://schemas.openxmlformats.org/drawingml/2006/main" xmlns:r="http://schemas.openxmlformats.org/officeDocument/2006/relationships" xmlns:p="http://schemas.openxmlformats.org/presentationml/2006/main" showMasterSp="0">
   <p:cSld>
     <p:spTree>
       <p:nvGrpSpPr>
@@ -23702,35 +23383,6 @@
           </a:p>
         </p:txBody>
       </p:sp>
-      <p:sp>
-        <p:nvSpPr>
-          <p:cNvPr id="8" name="スライド番号プレースホルダー 7">
-            <a:extLst>
-              <a:ext uri="{FF2B5EF4-FFF2-40B4-BE49-F238E27FC236}">
-                <a16:creationId xmlns:a16="http://schemas.microsoft.com/office/drawing/2014/main" id="{159F437D-C764-4BC5-B98D-5E34D7CCAA5B}"/>
-              </a:ext>
-            </a:extLst>
-          </p:cNvPr>
-          <p:cNvSpPr>
-            <a:spLocks noGrp="1"/>
-          </p:cNvSpPr>
-          <p:nvPr>
-            <p:ph type="sldNum" sz="quarter" idx="12"/>
-          </p:nvPr>
-        </p:nvSpPr>
-        <p:spPr/>
-        <p:txBody>
-          <a:bodyPr/>
-          <a:lstStyle/>
-          <a:p>
-            <a:fld id="{83E4BC44-1CD2-4666-A5F4-A286043144FC}" type="slidenum">
-              <a:rPr kumimoji="1" lang="ja-JP" altLang="en-US" smtClean="0"/>
-              <a:t>30</a:t>
-            </a:fld>
-            <a:endParaRPr kumimoji="1" lang="ja-JP" altLang="en-US"/>
-          </a:p>
-        </p:txBody>
-      </p:sp>
     </p:spTree>
     <p:extLst>
       <p:ext uri="{BB962C8B-B14F-4D97-AF65-F5344CB8AC3E}">
@@ -23745,7 +23397,7 @@
 </file>
 
 <file path=ppt/slides/slide31.xml><?xml version="1.0" encoding="utf-8"?>
-<p:sld xmlns:a="http://schemas.openxmlformats.org/drawingml/2006/main" xmlns:r="http://schemas.openxmlformats.org/officeDocument/2006/relationships" xmlns:p="http://schemas.openxmlformats.org/presentationml/2006/main">
+<p:sld xmlns:a="http://schemas.openxmlformats.org/drawingml/2006/main" xmlns:r="http://schemas.openxmlformats.org/officeDocument/2006/relationships" xmlns:p="http://schemas.openxmlformats.org/presentationml/2006/main" showMasterSp="0">
   <p:cSld>
     <p:spTree>
       <p:nvGrpSpPr>
@@ -24124,35 +23776,6 @@
           </a:p>
         </p:txBody>
       </p:sp>
-      <p:sp>
-        <p:nvSpPr>
-          <p:cNvPr id="9" name="スライド番号プレースホルダー 8">
-            <a:extLst>
-              <a:ext uri="{FF2B5EF4-FFF2-40B4-BE49-F238E27FC236}">
-                <a16:creationId xmlns:a16="http://schemas.microsoft.com/office/drawing/2014/main" id="{9254ECAA-ABD9-4FEB-89B6-B828EF08D260}"/>
-              </a:ext>
-            </a:extLst>
-          </p:cNvPr>
-          <p:cNvSpPr>
-            <a:spLocks noGrp="1"/>
-          </p:cNvSpPr>
-          <p:nvPr>
-            <p:ph type="sldNum" sz="quarter" idx="12"/>
-          </p:nvPr>
-        </p:nvSpPr>
-        <p:spPr/>
-        <p:txBody>
-          <a:bodyPr/>
-          <a:lstStyle/>
-          <a:p>
-            <a:fld id="{83E4BC44-1CD2-4666-A5F4-A286043144FC}" type="slidenum">
-              <a:rPr kumimoji="1" lang="ja-JP" altLang="en-US" smtClean="0"/>
-              <a:t>31</a:t>
-            </a:fld>
-            <a:endParaRPr kumimoji="1" lang="ja-JP" altLang="en-US"/>
-          </a:p>
-        </p:txBody>
-      </p:sp>
     </p:spTree>
     <p:extLst>
       <p:ext uri="{BB962C8B-B14F-4D97-AF65-F5344CB8AC3E}">
@@ -24167,7 +23790,7 @@
 </file>
 
 <file path=ppt/slides/slide32.xml><?xml version="1.0" encoding="utf-8"?>
-<p:sld xmlns:a="http://schemas.openxmlformats.org/drawingml/2006/main" xmlns:r="http://schemas.openxmlformats.org/officeDocument/2006/relationships" xmlns:p="http://schemas.openxmlformats.org/presentationml/2006/main">
+<p:sld xmlns:a="http://schemas.openxmlformats.org/drawingml/2006/main" xmlns:r="http://schemas.openxmlformats.org/officeDocument/2006/relationships" xmlns:p="http://schemas.openxmlformats.org/presentationml/2006/main" showMasterSp="0">
   <p:cSld>
     <p:spTree>
       <p:nvGrpSpPr>
@@ -24549,35 +24172,6 @@
           </a:p>
         </p:txBody>
       </p:sp>
-      <p:sp>
-        <p:nvSpPr>
-          <p:cNvPr id="9" name="スライド番号プレースホルダー 8">
-            <a:extLst>
-              <a:ext uri="{FF2B5EF4-FFF2-40B4-BE49-F238E27FC236}">
-                <a16:creationId xmlns:a16="http://schemas.microsoft.com/office/drawing/2014/main" id="{460F8FC2-BA5C-41D2-9205-45FAD91F2F2A}"/>
-              </a:ext>
-            </a:extLst>
-          </p:cNvPr>
-          <p:cNvSpPr>
-            <a:spLocks noGrp="1"/>
-          </p:cNvSpPr>
-          <p:nvPr>
-            <p:ph type="sldNum" sz="quarter" idx="12"/>
-          </p:nvPr>
-        </p:nvSpPr>
-        <p:spPr/>
-        <p:txBody>
-          <a:bodyPr/>
-          <a:lstStyle/>
-          <a:p>
-            <a:fld id="{83E4BC44-1CD2-4666-A5F4-A286043144FC}" type="slidenum">
-              <a:rPr kumimoji="1" lang="ja-JP" altLang="en-US" smtClean="0"/>
-              <a:t>32</a:t>
-            </a:fld>
-            <a:endParaRPr kumimoji="1" lang="ja-JP" altLang="en-US"/>
-          </a:p>
-        </p:txBody>
-      </p:sp>
     </p:spTree>
     <p:extLst>
       <p:ext uri="{BB962C8B-B14F-4D97-AF65-F5344CB8AC3E}">
@@ -24592,7 +24186,7 @@
 </file>
 
 <file path=ppt/slides/slide33.xml><?xml version="1.0" encoding="utf-8"?>
-<p:sld xmlns:a="http://schemas.openxmlformats.org/drawingml/2006/main" xmlns:r="http://schemas.openxmlformats.org/officeDocument/2006/relationships" xmlns:p="http://schemas.openxmlformats.org/presentationml/2006/main">
+<p:sld xmlns:a="http://schemas.openxmlformats.org/drawingml/2006/main" xmlns:r="http://schemas.openxmlformats.org/officeDocument/2006/relationships" xmlns:p="http://schemas.openxmlformats.org/presentationml/2006/main" showMasterSp="0">
   <p:cSld>
     <p:spTree>
       <p:nvGrpSpPr>
@@ -24874,7 +24468,7 @@
 </file>
 
 <file path=ppt/slides/slide4.xml><?xml version="1.0" encoding="utf-8"?>
-<p:sld xmlns:a="http://schemas.openxmlformats.org/drawingml/2006/main" xmlns:r="http://schemas.openxmlformats.org/officeDocument/2006/relationships" xmlns:p="http://schemas.openxmlformats.org/presentationml/2006/main">
+<p:sld xmlns:a="http://schemas.openxmlformats.org/drawingml/2006/main" xmlns:r="http://schemas.openxmlformats.org/officeDocument/2006/relationships" xmlns:p="http://schemas.openxmlformats.org/presentationml/2006/main" showMasterSp="0">
   <p:cSld>
     <p:spTree>
       <p:nvGrpSpPr>
@@ -25214,7 +24808,7 @@
 </file>
 
 <file path=ppt/slides/slide5.xml><?xml version="1.0" encoding="utf-8"?>
-<p:sld xmlns:a="http://schemas.openxmlformats.org/drawingml/2006/main" xmlns:r="http://schemas.openxmlformats.org/officeDocument/2006/relationships" xmlns:p="http://schemas.openxmlformats.org/presentationml/2006/main">
+<p:sld xmlns:a="http://schemas.openxmlformats.org/drawingml/2006/main" xmlns:r="http://schemas.openxmlformats.org/officeDocument/2006/relationships" xmlns:p="http://schemas.openxmlformats.org/presentationml/2006/main" showMasterSp="0">
   <p:cSld>
     <p:spTree>
       <p:nvGrpSpPr>
@@ -25855,7 +25449,7 @@
 </file>
 
 <file path=ppt/slides/slide6.xml><?xml version="1.0" encoding="utf-8"?>
-<p:sld xmlns:a="http://schemas.openxmlformats.org/drawingml/2006/main" xmlns:r="http://schemas.openxmlformats.org/officeDocument/2006/relationships" xmlns:p="http://schemas.openxmlformats.org/presentationml/2006/main">
+<p:sld xmlns:a="http://schemas.openxmlformats.org/drawingml/2006/main" xmlns:r="http://schemas.openxmlformats.org/officeDocument/2006/relationships" xmlns:p="http://schemas.openxmlformats.org/presentationml/2006/main" showMasterSp="0">
   <p:cSld>
     <p:spTree>
       <p:nvGrpSpPr>
@@ -26224,7 +25818,7 @@
 </file>
 
 <file path=ppt/slides/slide7.xml><?xml version="1.0" encoding="utf-8"?>
-<p:sld xmlns:a="http://schemas.openxmlformats.org/drawingml/2006/main" xmlns:r="http://schemas.openxmlformats.org/officeDocument/2006/relationships" xmlns:p="http://schemas.openxmlformats.org/presentationml/2006/main">
+<p:sld xmlns:a="http://schemas.openxmlformats.org/drawingml/2006/main" xmlns:r="http://schemas.openxmlformats.org/officeDocument/2006/relationships" xmlns:p="http://schemas.openxmlformats.org/presentationml/2006/main" showMasterSp="0">
   <p:cSld>
     <p:spTree>
       <p:nvGrpSpPr>
@@ -26240,8 +25834,8 @@
           <a:chExt cx="0" cy="0"/>
         </a:xfrm>
       </p:grpSpPr>
-      <mc:AlternateContent xmlns:mc="http://schemas.openxmlformats.org/markup-compatibility/2006" xmlns:a14="http://schemas.microsoft.com/office/drawing/2010/main">
-        <mc:Choice Requires="a14">
+      <mc:AlternateContent xmlns:mc="http://schemas.openxmlformats.org/markup-compatibility/2006">
+        <mc:Choice xmlns:a14="http://schemas.microsoft.com/office/drawing/2010/main" Requires="a14">
           <p:sp>
             <p:nvSpPr>
               <p:cNvPr id="2" name="タイトル 1"/>
@@ -26293,7 +25887,7 @@
             </p:txBody>
           </p:sp>
         </mc:Choice>
-        <mc:Fallback xmlns="">
+        <mc:Fallback>
           <p:sp>
             <p:nvSpPr>
               <p:cNvPr id="2" name="タイトル 1"/>
@@ -26305,10 +25899,10 @@
               </p:nvPr>
             </p:nvSpPr>
             <p:spPr>
-              <a:blipFill rotWithShape="1">
+              <a:blipFill>
                 <a:blip r:embed="rId2"/>
                 <a:stretch>
-                  <a:fillRect t="-2632" b="-21053"/>
+                  <a:fillRect t="-1818" b="-21818"/>
                 </a:stretch>
               </a:blipFill>
             </p:spPr>
@@ -26317,7 +25911,7 @@
               <a:lstStyle/>
               <a:p>
                 <a:r>
-                  <a:rPr lang="ja-JP" altLang="en-US">
+                  <a:rPr lang="en-JP">
                     <a:noFill/>
                   </a:rPr>
                   <a:t> </a:t>
@@ -27412,35 +27006,6 @@
           </p:sp>
         </mc:Fallback>
       </mc:AlternateContent>
-      <p:sp>
-        <p:nvSpPr>
-          <p:cNvPr id="3" name="スライド番号プレースホルダー 2">
-            <a:extLst>
-              <a:ext uri="{FF2B5EF4-FFF2-40B4-BE49-F238E27FC236}">
-                <a16:creationId xmlns:a16="http://schemas.microsoft.com/office/drawing/2014/main" id="{70A9E3A1-20FB-48EF-AD5E-43AD47BF6C62}"/>
-              </a:ext>
-            </a:extLst>
-          </p:cNvPr>
-          <p:cNvSpPr>
-            <a:spLocks noGrp="1"/>
-          </p:cNvSpPr>
-          <p:nvPr>
-            <p:ph type="sldNum" sz="quarter" idx="12"/>
-          </p:nvPr>
-        </p:nvSpPr>
-        <p:spPr/>
-        <p:txBody>
-          <a:bodyPr/>
-          <a:lstStyle/>
-          <a:p>
-            <a:fld id="{83E4BC44-1CD2-4666-A5F4-A286043144FC}" type="slidenum">
-              <a:rPr kumimoji="1" lang="ja-JP" altLang="en-US" smtClean="0"/>
-              <a:t>7</a:t>
-            </a:fld>
-            <a:endParaRPr kumimoji="1" lang="ja-JP" altLang="en-US"/>
-          </a:p>
-        </p:txBody>
-      </p:sp>
     </p:spTree>
     <p:extLst>
       <p:ext uri="{BB962C8B-B14F-4D97-AF65-F5344CB8AC3E}">
@@ -27455,7 +27020,7 @@
 </file>
 
 <file path=ppt/slides/slide8.xml><?xml version="1.0" encoding="utf-8"?>
-<p:sld xmlns:a="http://schemas.openxmlformats.org/drawingml/2006/main" xmlns:r="http://schemas.openxmlformats.org/officeDocument/2006/relationships" xmlns:p="http://schemas.openxmlformats.org/presentationml/2006/main">
+<p:sld xmlns:a="http://schemas.openxmlformats.org/drawingml/2006/main" xmlns:r="http://schemas.openxmlformats.org/officeDocument/2006/relationships" xmlns:p="http://schemas.openxmlformats.org/presentationml/2006/main" showMasterSp="0">
   <p:cSld>
     <p:spTree>
       <p:nvGrpSpPr>
@@ -28598,35 +28163,6 @@
           </a:p>
         </p:txBody>
       </p:sp>
-      <p:sp>
-        <p:nvSpPr>
-          <p:cNvPr id="3" name="スライド番号プレースホルダー 2">
-            <a:extLst>
-              <a:ext uri="{FF2B5EF4-FFF2-40B4-BE49-F238E27FC236}">
-                <a16:creationId xmlns:a16="http://schemas.microsoft.com/office/drawing/2014/main" id="{93B7F40A-E8D5-41E2-A34D-6CB6400938A5}"/>
-              </a:ext>
-            </a:extLst>
-          </p:cNvPr>
-          <p:cNvSpPr>
-            <a:spLocks noGrp="1"/>
-          </p:cNvSpPr>
-          <p:nvPr>
-            <p:ph type="sldNum" sz="quarter" idx="12"/>
-          </p:nvPr>
-        </p:nvSpPr>
-        <p:spPr/>
-        <p:txBody>
-          <a:bodyPr/>
-          <a:lstStyle/>
-          <a:p>
-            <a:fld id="{83E4BC44-1CD2-4666-A5F4-A286043144FC}" type="slidenum">
-              <a:rPr kumimoji="1" lang="ja-JP" altLang="en-US" smtClean="0"/>
-              <a:t>8</a:t>
-            </a:fld>
-            <a:endParaRPr kumimoji="1" lang="ja-JP" altLang="en-US"/>
-          </a:p>
-        </p:txBody>
-      </p:sp>
     </p:spTree>
     <p:extLst>
       <p:ext uri="{BB962C8B-B14F-4D97-AF65-F5344CB8AC3E}">
@@ -28641,7 +28177,7 @@
 </file>
 
 <file path=ppt/slides/slide9.xml><?xml version="1.0" encoding="utf-8"?>
-<p:sld xmlns:a="http://schemas.openxmlformats.org/drawingml/2006/main" xmlns:r="http://schemas.openxmlformats.org/officeDocument/2006/relationships" xmlns:p="http://schemas.openxmlformats.org/presentationml/2006/main">
+<p:sld xmlns:a="http://schemas.openxmlformats.org/drawingml/2006/main" xmlns:r="http://schemas.openxmlformats.org/officeDocument/2006/relationships" xmlns:p="http://schemas.openxmlformats.org/presentationml/2006/main" showMasterSp="0">
   <p:cSld>
     <p:spTree>
       <p:nvGrpSpPr>
@@ -29880,35 +29416,6 @@
           </p:style>
         </p:cxnSp>
       </p:grpSp>
-      <p:sp>
-        <p:nvSpPr>
-          <p:cNvPr id="3" name="スライド番号プレースホルダー 2">
-            <a:extLst>
-              <a:ext uri="{FF2B5EF4-FFF2-40B4-BE49-F238E27FC236}">
-                <a16:creationId xmlns:a16="http://schemas.microsoft.com/office/drawing/2014/main" id="{36D4A5BB-F05D-4E86-8F01-C566A4222FCC}"/>
-              </a:ext>
-            </a:extLst>
-          </p:cNvPr>
-          <p:cNvSpPr>
-            <a:spLocks noGrp="1"/>
-          </p:cNvSpPr>
-          <p:nvPr>
-            <p:ph type="sldNum" sz="quarter" idx="12"/>
-          </p:nvPr>
-        </p:nvSpPr>
-        <p:spPr/>
-        <p:txBody>
-          <a:bodyPr/>
-          <a:lstStyle/>
-          <a:p>
-            <a:fld id="{83E4BC44-1CD2-4666-A5F4-A286043144FC}" type="slidenum">
-              <a:rPr kumimoji="1" lang="ja-JP" altLang="en-US" smtClean="0"/>
-              <a:t>9</a:t>
-            </a:fld>
-            <a:endParaRPr kumimoji="1" lang="ja-JP" altLang="en-US"/>
-          </a:p>
-        </p:txBody>
-      </p:sp>
     </p:spTree>
     <p:extLst>
       <p:ext uri="{BB962C8B-B14F-4D97-AF65-F5344CB8AC3E}">
